--- a/DSC at Scale.pptx
+++ b/DSC at Scale.pptx
@@ -1656,6 +1656,21 @@
           <a:bodyPr/>
           <a:lstStyle/>
           <a:p>
+            <a:r>
+              <a:rPr lang="en-US" dirty="0"/>
+              <a:t>Demo: Change properties</a:t>
+            </a:r>
+          </a:p>
+          <a:p>
+            <a:r>
+              <a:rPr lang="en-US" dirty="0"/>
+              <a:t>Demo: Show data</a:t>
+            </a:r>
+          </a:p>
+          <a:p>
+            <a:endParaRPr lang="en-US" baseline="0" dirty="0"/>
+          </a:p>
+          <a:p>
             <a:pPr marL="0" marR="0" lvl="0" indent="0" algn="l" defTabSz="372123" rtl="0" eaLnBrk="1" fontAlgn="auto" latinLnBrk="0" hangingPunct="1">
               <a:lnSpc>
                 <a:spcPct val="100000"/>
@@ -1674,46 +1689,12 @@
               <a:defRPr/>
             </a:pPr>
             <a:r>
-              <a:rPr lang="en-US" baseline="0" dirty="0"/>
-              <a:t>Demo: Walk through </a:t>
-            </a:r>
-            <a:r>
-              <a:rPr lang="en-US" baseline="0" dirty="0" err="1"/>
-              <a:t>RootConfiguration</a:t>
-            </a:r>
-            <a:r>
-              <a:rPr lang="en-US" baseline="0" dirty="0"/>
-              <a:t>/</a:t>
-            </a:r>
-            <a:r>
-              <a:rPr lang="en-US" baseline="0" dirty="0" err="1"/>
-              <a:t>RootConfigurationImpl</a:t>
-            </a:r>
-            <a:endParaRPr lang="en-US" dirty="0"/>
-          </a:p>
-          <a:p>
-            <a:r>
               <a:rPr lang="en-US" dirty="0"/>
               <a:t>Demo:</a:t>
             </a:r>
             <a:r>
               <a:rPr lang="en-US" baseline="0" dirty="0"/>
               <a:t> MOF build</a:t>
-            </a:r>
-          </a:p>
-          <a:p>
-            <a:endParaRPr lang="en-US" baseline="0" dirty="0"/>
-          </a:p>
-          <a:p>
-            <a:r>
-              <a:rPr lang="en-US" dirty="0"/>
-              <a:t>Demo: Change properties</a:t>
-            </a:r>
-          </a:p>
-          <a:p>
-            <a:r>
-              <a:rPr lang="en-US"/>
-              <a:t>Demo: Show data</a:t>
             </a:r>
           </a:p>
           <a:p>
@@ -1803,9 +1784,31 @@
           <a:lstStyle/>
           <a:p>
             <a:r>
+              <a:rPr lang="en-US" baseline="0" dirty="0"/>
+              <a:t>Demo: Walk through </a:t>
+            </a:r>
+            <a:r>
+              <a:rPr lang="en-US" baseline="0" dirty="0" err="1"/>
+              <a:t>RootConfiguration</a:t>
+            </a:r>
+            <a:r>
+              <a:rPr lang="en-US" baseline="0" dirty="0"/>
+              <a:t>/</a:t>
+            </a:r>
+            <a:r>
+              <a:rPr lang="en-US" baseline="0" dirty="0" err="1"/>
+              <a:t>RootConfigurationImpl</a:t>
+            </a:r>
+            <a:endParaRPr lang="en-US" dirty="0"/>
+          </a:p>
+          <a:p>
+            <a:r>
               <a:rPr lang="en-US" dirty="0"/>
               <a:t>Demo: Show example configuration</a:t>
             </a:r>
+          </a:p>
+          <a:p>
+            <a:endParaRPr lang="en-US" dirty="0"/>
           </a:p>
         </p:txBody>
       </p:sp>
@@ -18464,6 +18467,21 @@
               <a:rPr lang="en-US" sz="1800" dirty="0"/>
               <a:t>Director – Windows Engineering @ Ticketmaster</a:t>
             </a:r>
+          </a:p>
+          <a:p>
+            <a:pPr algn="l">
+              <a:lnSpc>
+                <a:spcPct val="100000"/>
+              </a:lnSpc>
+              <a:spcBef>
+                <a:spcPts val="600"/>
+              </a:spcBef>
+            </a:pPr>
+            <a:r>
+              <a:rPr lang="en-US" sz="1800" dirty="0"/>
+              <a:t>https://github.com/Ticketmaster/DscDemo</a:t>
+            </a:r>
+            <a:endParaRPr lang="en-US" sz="1800" dirty="0"/>
           </a:p>
         </p:txBody>
       </p:sp>
